--- a/기획/기획서.pptx
+++ b/기획/기획서.pptx
@@ -2,7 +2,7 @@
 <file path=ppt/presentation.xml><?xml version="1.0" encoding="utf-8"?>
 <p:presentation xmlns:a="http://schemas.openxmlformats.org/drawingml/2006/main" xmlns:r="http://schemas.openxmlformats.org/officeDocument/2006/relationships" xmlns:p="http://schemas.openxmlformats.org/presentationml/2006/main" xmlns:p14="http://schemas.microsoft.com/office/powerpoint/2010/main" saveSubsetFonts="1">
   <p:sldMasterIdLst>
-    <p:sldMasterId id="2147483672" r:id="rId14"/>
+    <p:sldMasterId id="2147483673" r:id="rId14"/>
   </p:sldMasterIdLst>
   <p:sldIdLst>
     <p:sldId id="278" r:id="rId16"/>
@@ -114,12 +114,12 @@
   <p:extLst>
     <p:ext uri="{EFAFB233-063F-42B5-8137-9DF3F51BA10A}">
       <p15:sldGuideLst xmlns:p15="http://schemas.microsoft.com/office/powerpoint/2012/main">
-        <p15:guide id="1" orient="horz" pos="2182" userDrawn="1">
+        <p15:guide id="1" orient="horz" pos="2181" userDrawn="1">
           <p15:clr>
             <a:srgbClr val="A4A3A4"/>
           </p15:clr>
         </p15:guide>
-        <p15:guide id="2" pos="3839" userDrawn="1">
+        <p15:guide id="2" pos="3838" userDrawn="1">
           <p15:clr>
             <a:srgbClr val="A4A3A4"/>
           </p15:clr>
@@ -6151,7 +6151,7 @@
 </file>
 
 <file path=ppt/slides/slide4.xml><?xml version="1.0" encoding="utf-8"?>
-<p:sld xmlns:a="http://schemas.openxmlformats.org/drawingml/2006/main" xmlns:r="http://schemas.openxmlformats.org/officeDocument/2006/relationships" xmlns:p="http://schemas.openxmlformats.org/presentationml/2006/main">
+<p:sld xmlns:a="http://schemas.openxmlformats.org/drawingml/2006/main" xmlns:r="http://schemas.openxmlformats.org/officeDocument/2006/relationships" xmlns:p="http://schemas.openxmlformats.org/presentationml/2006/main" xmlns:p14="http://schemas.microsoft.com/office/powerpoint/2010/main">
   <p:cSld>
     <p:spTree>
       <p:nvGrpSpPr>
@@ -6550,7 +6550,7 @@
         </p:nvGraphicFramePr>
         <p:xfrm>
           <a:off x="203200" y="3024505"/>
-          <a:ext cx="11849100" cy="2684780"/>
+          <a:ext cx="11849100" cy="2407920"/>
         </p:xfrm>
         <a:graphic>
           <a:graphicData uri="http://schemas.openxmlformats.org/drawingml/2006/table">
@@ -6559,9 +6559,9 @@
                 <a:tableStyleId>{5C22544A-7EE6-4342-B048-85BDC9FD1C3A}</a:tableStyleId>
               </a:tblPr>
               <a:tblGrid>
-                <a:gridCol w="2100580"/>
-                <a:gridCol w="4131945"/>
-                <a:gridCol w="5616575"/>
+                <a:gridCol w="1214755"/>
+                <a:gridCol w="4159250"/>
+                <a:gridCol w="6475095"/>
               </a:tblGrid>
               <a:tr h="370840">
                 <a:tc gridSpan="3">
@@ -6569,7 +6569,10 @@
                     <a:bodyPr/>
                     <a:lstStyle/>
                     <a:p>
-                      <a:pPr marL="0" indent="0" hangingPunct="1"/>
+                      <a:pPr marL="0" indent="0" latinLnBrk="0" hangingPunct="1" lvl="1">
+                        <a:buFontTx/>
+                        <a:buNone/>
+                      </a:pPr>
                       <a:r>
                         <a:rPr lang="ko-KR" sz="1800" kern="1200" i="0" b="1">
                           <a:solidFill>
@@ -6618,7 +6621,10 @@
                     <a:bodyPr/>
                     <a:lstStyle/>
                     <a:p>
-                      <a:pPr marL="0" indent="0" hangingPunct="1"/>
+                      <a:pPr marL="0" indent="0" latinLnBrk="0" hangingPunct="1" lvl="1">
+                        <a:buFontTx/>
+                        <a:buNone/>
+                      </a:pPr>
                       <a:r>
                         <a:rPr lang="ko-KR" sz="1800" kern="1200" i="0" b="0">
                           <a:solidFill>
@@ -6645,7 +6651,10 @@
                     <a:bodyPr/>
                     <a:lstStyle/>
                     <a:p>
-                      <a:pPr marL="0" indent="0" hangingPunct="1"/>
+                      <a:pPr marL="0" indent="0" latinLnBrk="0" hangingPunct="1" lvl="1">
+                        <a:buFontTx/>
+                        <a:buNone/>
+                      </a:pPr>
                       <a:r>
                         <a:rPr sz="1800" kern="1200" i="0" b="0">
                           <a:solidFill>
@@ -6682,7 +6691,10 @@
                     <a:bodyPr/>
                     <a:lstStyle/>
                     <a:p>
-                      <a:pPr marL="0" indent="0" hangingPunct="1"/>
+                      <a:pPr marL="0" indent="0" latinLnBrk="0" hangingPunct="1" lvl="1">
+                        <a:buFontTx/>
+                        <a:buNone/>
+                      </a:pPr>
                       <a:r>
                         <a:rPr sz="1800" kern="1200" i="0" b="0">
                           <a:solidFill>
@@ -6702,6 +6714,118 @@
                           <a:ea typeface="맑은 고딕" charset="0"/>
                         </a:rPr>
                         <a:t>임 요소</a:t>
+                      </a:r>
+                      <a:endParaRPr lang="ko-KR" altLang="en-US" sz="1800" kern="1200" i="0" b="0">
+                        <a:solidFill>
+                          <a:schemeClr val="dk1"/>
+                        </a:solidFill>
+                        <a:latin typeface="맑은 고딕" charset="0"/>
+                        <a:ea typeface="맑은 고딕" charset="0"/>
+                      </a:endParaRPr>
+                    </a:p>
+                  </a:txBody>
+                  <a:tcPr marL="90170" marR="90170" marT="46990" marB="46990" anchor="t"/>
+                </a:tc>
+              </a:tr>
+              <a:tr h="370840">
+                <a:tc>
+                  <a:txBody>
+                    <a:bodyPr/>
+                    <a:lstStyle/>
+                    <a:p>
+                      <a:pPr marL="0" indent="0" latinLnBrk="0" hangingPunct="1" lvl="1">
+                        <a:buFontTx/>
+                        <a:buNone/>
+                      </a:pPr>
+                      <a:r>
+                        <a:rPr lang="ko-KR" sz="1800" kern="1200" i="0" b="0">
+                          <a:solidFill>
+                            <a:schemeClr val="dk1"/>
+                          </a:solidFill>
+                          <a:latin typeface="맑은 고딕" charset="0"/>
+                          <a:ea typeface="맑은 고딕" charset="0"/>
+                        </a:rPr>
+                        <a:t>게임 초입</a:t>
+                      </a:r>
+                      <a:endParaRPr lang="ko-KR" altLang="en-US" sz="1800" kern="1200" i="0" b="0">
+                        <a:solidFill>
+                          <a:schemeClr val="dk1"/>
+                        </a:solidFill>
+                        <a:latin typeface="맑은 고딕" charset="0"/>
+                        <a:ea typeface="맑은 고딕" charset="0"/>
+                      </a:endParaRPr>
+                    </a:p>
+                  </a:txBody>
+                  <a:tcPr marL="90170" marR="90170" marT="46990" marB="46990" anchor="t"/>
+                </a:tc>
+                <a:tc>
+                  <a:txBody>
+                    <a:bodyPr/>
+                    <a:lstStyle/>
+                    <a:p>
+                      <a:pPr marL="0" indent="0" latinLnBrk="0" hangingPunct="1" lvl="1">
+                        <a:buFontTx/>
+                        <a:buNone/>
+                      </a:pPr>
+                      <a:r>
+                        <a:rPr lang="ko-KR" sz="1800" kern="1200" i="0" b="0">
+                          <a:solidFill>
+                            <a:schemeClr val="dk1"/>
+                          </a:solidFill>
+                          <a:latin typeface="맑은 고딕" charset="0"/>
+                          <a:ea typeface="맑은 고딕" charset="0"/>
+                        </a:rPr>
+                        <a:t>캐릭터 생성 및 조작법 숙지하는 단계</a:t>
+                      </a:r>
+                      <a:r>
+                        <a:rPr lang="ko-KR" sz="1800" kern="1200" i="0" b="0">
+                          <a:solidFill>
+                            <a:schemeClr val="dk1"/>
+                          </a:solidFill>
+                          <a:latin typeface="맑은 고딕" charset="0"/>
+                          <a:ea typeface="맑은 고딕" charset="0"/>
+                        </a:rPr>
+                        <a:t> </a:t>
+                      </a:r>
+                      <a:endParaRPr lang="ko-KR" altLang="en-US" sz="1800" kern="1200" i="0" b="0">
+                        <a:solidFill>
+                          <a:schemeClr val="dk1"/>
+                        </a:solidFill>
+                        <a:latin typeface="맑은 고딕" charset="0"/>
+                        <a:ea typeface="맑은 고딕" charset="0"/>
+                      </a:endParaRPr>
+                    </a:p>
+                  </a:txBody>
+                  <a:tcPr marL="90170" marR="90170" marT="46990" marB="46990" anchor="t"/>
+                </a:tc>
+                <a:tc>
+                  <a:txBody>
+                    <a:bodyPr/>
+                    <a:lstStyle/>
+                    <a:p>
+                      <a:pPr marL="0" indent="0" latinLnBrk="0" hangingPunct="1" lvl="1">
+                        <a:buFontTx/>
+                        <a:buNone/>
+                      </a:pPr>
+                      <a:r>
+                        <a:rPr sz="1800" kern="1200" i="0" b="0">
+                          <a:solidFill>
+                            <a:schemeClr val="dk1"/>
+                          </a:solidFill>
+                          <a:latin typeface="맑은 고딕" charset="0"/>
+                          <a:ea typeface="맑은 고딕" charset="0"/>
+                        </a:rPr>
+                        <a:t>캐릭</a:t>
+                      </a:r>
+                      <a:r>
+                        <a:rPr lang="ko-KR" sz="1800" kern="1200" i="0" b="0">
+                          <a:solidFill>
+                            <a:schemeClr val="dk1"/>
+                          </a:solidFill>
+                          <a:latin typeface="맑은 고딕" charset="0"/>
+                          <a:ea typeface="맑은 고딕" charset="0"/>
+                        </a:rPr>
+                        <a:t>터 생성, 튜토리얼</a:t>
                       </a:r>
                       <a:endParaRPr lang="ko-KR" altLang="en-US" sz="1800" kern="1200" i="0" b="0">
                         <a:solidFill>
@@ -6721,7 +6845,10 @@
                     <a:bodyPr/>
                     <a:lstStyle/>
                     <a:p>
-                      <a:pPr marL="0" indent="0" hangingPunct="1"/>
+                      <a:pPr marL="0" indent="0" latinLnBrk="0" hangingPunct="1" lvl="1">
+                        <a:buFontTx/>
+                        <a:buNone/>
+                      </a:pPr>
                       <a:r>
                         <a:rPr lang="ko-KR" sz="1800" kern="1200" i="0" b="0">
                           <a:solidFill>
@@ -6730,7 +6857,30 @@
                           <a:latin typeface="맑은 고딕" charset="0"/>
                           <a:ea typeface="맑은 고딕" charset="0"/>
                         </a:rPr>
-                        <a:t>게임 초입</a:t>
+                        <a:t>스토리 </a:t>
+                      </a:r>
+                      <a:endParaRPr lang="ko-KR" altLang="en-US" sz="1800" kern="1200" i="0" b="0">
+                        <a:solidFill>
+                          <a:schemeClr val="dk1"/>
+                        </a:solidFill>
+                        <a:latin typeface="맑은 고딕" charset="0"/>
+                        <a:ea typeface="맑은 고딕" charset="0"/>
+                      </a:endParaRPr>
+                    </a:p>
+                    <a:p>
+                      <a:pPr marL="0" indent="0" latinLnBrk="0" hangingPunct="1" lvl="1">
+                        <a:buFontTx/>
+                        <a:buNone/>
+                      </a:pPr>
+                      <a:r>
+                        <a:rPr lang="ko-KR" sz="1800" kern="1200" i="0" b="0">
+                          <a:solidFill>
+                            <a:schemeClr val="dk1"/>
+                          </a:solidFill>
+                          <a:latin typeface="맑은 고딕" charset="0"/>
+                          <a:ea typeface="맑은 고딕" charset="0"/>
+                        </a:rPr>
+                        <a:t>진행</a:t>
                       </a:r>
                       <a:endParaRPr lang="ko-KR" altLang="en-US" sz="1800" kern="1200" i="0" b="0">
                         <a:solidFill>
@@ -6748,7 +6898,10 @@
                     <a:bodyPr/>
                     <a:lstStyle/>
                     <a:p>
-                      <a:pPr marL="0" indent="0" hangingPunct="1"/>
+                      <a:pPr marL="0" indent="0" latinLnBrk="0" hangingPunct="1" lvl="1">
+                        <a:buFontTx/>
+                        <a:buNone/>
+                      </a:pPr>
                       <a:r>
                         <a:rPr lang="ko-KR" sz="1800" kern="1200" i="0" b="0">
                           <a:solidFill>
@@ -6757,7 +6910,17 @@
                           <a:latin typeface="맑은 고딕" charset="0"/>
                           <a:ea typeface="맑은 고딕" charset="0"/>
                         </a:rPr>
-                        <a:t>게임을 시작하여 캐릭터를 만들고 조작법 및 게임의 구조를 배우는 단계</a:t>
+                        <a:t>스토리를 진행</a:t>
+                      </a:r>
+                      <a:r>
+                        <a:rPr lang="ko-KR" sz="1800" kern="1200" i="0" b="0">
+                          <a:solidFill>
+                            <a:schemeClr val="dk1"/>
+                          </a:solidFill>
+                          <a:latin typeface="맑은 고딕" charset="0"/>
+                          <a:ea typeface="맑은 고딕" charset="0"/>
+                        </a:rPr>
+                        <a:t> 및 육성, 탐험 하는 단계</a:t>
                       </a:r>
                       <a:endParaRPr lang="ko-KR" altLang="en-US" sz="1800" kern="1200" i="0" b="0">
                         <a:solidFill>
@@ -6775,7 +6938,30 @@
                     <a:bodyPr/>
                     <a:lstStyle/>
                     <a:p>
-                      <a:pPr marL="0" indent="0" hangingPunct="1"/>
+                      <a:pPr marL="0" indent="0" latinLnBrk="0" hangingPunct="1" lvl="1">
+                        <a:buFontTx/>
+                        <a:buNone/>
+                      </a:pPr>
+                      <a:r>
+                        <a:rPr lang="ko-KR" sz="1800" kern="1200" i="0" b="0">
+                          <a:solidFill>
+                            <a:schemeClr val="dk1"/>
+                          </a:solidFill>
+                          <a:latin typeface="맑은 고딕" charset="0"/>
+                          <a:ea typeface="맑은 고딕" charset="0"/>
+                        </a:rPr>
+                        <a:t>메인 스토리, 서브 스토리, 일반 몬스터, 보스 몬스터, 보스 맵, 일반 던전, </a:t>
+                      </a:r>
+                      <a:r>
+                        <a:rPr lang="ko-KR" sz="1800" kern="1200" i="0" b="0">
+                          <a:solidFill>
+                            <a:schemeClr val="dk1"/>
+                          </a:solidFill>
+                          <a:latin typeface="맑은 고딕" charset="0"/>
+                          <a:ea typeface="맑은 고딕" charset="0"/>
+                        </a:rPr>
+                        <a:t>제작, </a:t>
+                      </a:r>
                       <a:r>
                         <a:rPr sz="1800" kern="1200" i="0" b="0">
                           <a:solidFill>
@@ -6784,7 +6970,7 @@
                           <a:latin typeface="맑은 고딕" charset="0"/>
                           <a:ea typeface="맑은 고딕" charset="0"/>
                         </a:rPr>
-                        <a:t>캐릭</a:t>
+                        <a:t>영</a:t>
                       </a:r>
                       <a:r>
                         <a:rPr lang="ko-KR" sz="1800" kern="1200" i="0" b="0">
@@ -6794,18 +6980,8 @@
                           <a:latin typeface="맑은 고딕" charset="0"/>
                           <a:ea typeface="맑은 고딕" charset="0"/>
                         </a:rPr>
-                        <a:t>터 생성, 튜토리얼</a:t>
-                      </a:r>
-                      <a:endParaRPr lang="ko-KR" altLang="en-US" sz="1800" kern="1200" i="0" b="0">
-                        <a:solidFill>
-                          <a:schemeClr val="dk1"/>
-                        </a:solidFill>
-                        <a:latin typeface="맑은 고딕" charset="0"/>
-                        <a:ea typeface="맑은 고딕" charset="0"/>
-                      </a:endParaRPr>
-                    </a:p>
-                    <a:p>
-                      <a:pPr marL="0" indent="0" hangingPunct="1"/>
+                        <a:t>약, 강화, 수련</a:t>
+                      </a:r>
                       <a:endParaRPr lang="ko-KR" altLang="en-US" sz="1800" kern="1200" i="0" b="0">
                         <a:solidFill>
                           <a:schemeClr val="dk1"/>
@@ -6824,7 +7000,10 @@
                     <a:bodyPr/>
                     <a:lstStyle/>
                     <a:p>
-                      <a:pPr marL="0" indent="0" hangingPunct="1"/>
+                      <a:pPr marL="0" indent="0" latinLnBrk="0" hangingPunct="1" lvl="1">
+                        <a:buFontTx/>
+                        <a:buNone/>
+                      </a:pPr>
                       <a:r>
                         <a:rPr lang="ko-KR" sz="1800" kern="1200" i="0" b="0">
                           <a:solidFill>
@@ -6833,7 +7012,30 @@
                           <a:latin typeface="맑은 고딕" charset="0"/>
                           <a:ea typeface="맑은 고딕" charset="0"/>
                         </a:rPr>
-                        <a:t>스토리 진행</a:t>
+                        <a:t>스토리 </a:t>
+                      </a:r>
+                      <a:endParaRPr lang="ko-KR" altLang="en-US" sz="1800" kern="1200" i="0" b="0">
+                        <a:solidFill>
+                          <a:schemeClr val="dk1"/>
+                        </a:solidFill>
+                        <a:latin typeface="맑은 고딕" charset="0"/>
+                        <a:ea typeface="맑은 고딕" charset="0"/>
+                      </a:endParaRPr>
+                    </a:p>
+                    <a:p>
+                      <a:pPr marL="0" indent="0" latinLnBrk="0" hangingPunct="1" lvl="1">
+                        <a:buFontTx/>
+                        <a:buNone/>
+                      </a:pPr>
+                      <a:r>
+                        <a:rPr lang="ko-KR" sz="1800" kern="1200" i="0" b="0">
+                          <a:solidFill>
+                            <a:schemeClr val="dk1"/>
+                          </a:solidFill>
+                          <a:latin typeface="맑은 고딕" charset="0"/>
+                          <a:ea typeface="맑은 고딕" charset="0"/>
+                        </a:rPr>
+                        <a:t>엔딩 후</a:t>
                       </a:r>
                       <a:endParaRPr lang="ko-KR" altLang="en-US" sz="1800" kern="1200" i="0" b="0">
                         <a:solidFill>
@@ -6851,7 +7053,10 @@
                     <a:bodyPr/>
                     <a:lstStyle/>
                     <a:p>
-                      <a:pPr marL="0" indent="0" hangingPunct="1"/>
+                      <a:pPr marL="0" indent="0" latinLnBrk="0" hangingPunct="1" lvl="1">
+                        <a:buFontTx/>
+                        <a:buNone/>
+                      </a:pPr>
                       <a:r>
                         <a:rPr lang="ko-KR" sz="1800" kern="1200" i="0" b="0">
                           <a:solidFill>
@@ -6860,7 +7065,7 @@
                           <a:latin typeface="맑은 고딕" charset="0"/>
                           <a:ea typeface="맑은 고딕" charset="0"/>
                         </a:rPr>
-                        <a:t>스토리를 진행하고 캐릭터를 육성하는 단계</a:t>
+                        <a:t>스토리 엔딩 후 무한 컨텐츠</a:t>
                       </a:r>
                       <a:endParaRPr lang="ko-KR" altLang="en-US" sz="1800" kern="1200" i="0" b="0">
                         <a:solidFill>
@@ -6878,7 +7083,10 @@
                     <a:bodyPr/>
                     <a:lstStyle/>
                     <a:p>
-                      <a:pPr marL="0" indent="0" hangingPunct="1"/>
+                      <a:pPr marL="0" indent="0" latinLnBrk="0" hangingPunct="1" lvl="1">
+                        <a:buFontTx/>
+                        <a:buNone/>
+                      </a:pPr>
                       <a:r>
                         <a:rPr lang="ko-KR" sz="1800" kern="1200" i="0" b="0">
                           <a:solidFill>
@@ -6887,17 +7095,17 @@
                           <a:latin typeface="맑은 고딕" charset="0"/>
                           <a:ea typeface="맑은 고딕" charset="0"/>
                         </a:rPr>
-                        <a:t>스토리, 아이템, 세력, 제작, </a:t>
-                      </a:r>
-                      <a:r>
-                        <a:rPr sz="1800" kern="1200" i="0" b="0">
+                        <a:t>강화 보스</a:t>
+                      </a:r>
+                      <a:r>
+                        <a:rPr lang="ko-KR" sz="1800" kern="1200" i="0" b="0">
                           <a:solidFill>
                             <a:schemeClr val="dk1"/>
                           </a:solidFill>
                           <a:latin typeface="맑은 고딕" charset="0"/>
                           <a:ea typeface="맑은 고딕" charset="0"/>
                         </a:rPr>
-                        <a:t>영</a:t>
+                        <a:t>, 멀티 플레이,</a:t>
                       </a:r>
                       <a:r>
                         <a:rPr lang="ko-KR" sz="1800" kern="1200" i="0" b="0">
@@ -6907,27 +7115,8 @@
                           <a:latin typeface="맑은 고딕" charset="0"/>
                           <a:ea typeface="맑은 고딕" charset="0"/>
                         </a:rPr>
-                        <a:t>약, 강화, 수련</a:t>
-                      </a:r>
-                      <a:endParaRPr lang="ko-KR" altLang="en-US" sz="1800" kern="1200" i="0" b="0">
-                        <a:solidFill>
-                          <a:schemeClr val="dk1"/>
-                        </a:solidFill>
-                        <a:latin typeface="맑은 고딕" charset="0"/>
-                        <a:ea typeface="맑은 고딕" charset="0"/>
-                      </a:endParaRPr>
-                    </a:p>
-                  </a:txBody>
-                  <a:tcPr marL="90170" marR="90170" marT="46990" marB="46990" anchor="t"/>
-                </a:tc>
-              </a:tr>
-              <a:tr h="647700">
-                <a:tc>
-                  <a:txBody>
-                    <a:bodyPr/>
-                    <a:lstStyle/>
-                    <a:p>
-                      <a:pPr marL="0" indent="0" hangingPunct="1"/>
+                        <a:t> </a:t>
+                      </a:r>
                       <a:r>
                         <a:rPr lang="ko-KR" sz="1800" kern="1200" i="0" b="0">
                           <a:solidFill>
@@ -6936,25 +7125,8 @@
                           <a:latin typeface="맑은 고딕" charset="0"/>
                           <a:ea typeface="맑은 고딕" charset="0"/>
                         </a:rPr>
-                        <a:t>후일담</a:t>
-                      </a:r>
-                      <a:endParaRPr lang="ko-KR" altLang="en-US" sz="1800" kern="1200" i="0" b="0">
-                        <a:solidFill>
-                          <a:schemeClr val="dk1"/>
-                        </a:solidFill>
-                        <a:latin typeface="맑은 고딕" charset="0"/>
-                        <a:ea typeface="맑은 고딕" charset="0"/>
-                      </a:endParaRPr>
-                    </a:p>
-                  </a:txBody>
-                  <a:tcPr marL="90170" marR="90170" marT="46990" marB="46990" anchor="t"/>
-                </a:tc>
-                <a:tc>
-                  <a:txBody>
-                    <a:bodyPr/>
-                    <a:lstStyle/>
-                    <a:p>
-                      <a:pPr marL="0" indent="0" hangingPunct="1"/>
+                        <a:t>Pvp, 도장 깨기, </a:t>
+                      </a:r>
                       <a:r>
                         <a:rPr lang="ko-KR" sz="1800" kern="1200" i="0" b="0">
                           <a:solidFill>
@@ -6963,25 +7135,8 @@
                           <a:latin typeface="맑은 고딕" charset="0"/>
                           <a:ea typeface="맑은 고딕" charset="0"/>
                         </a:rPr>
-                        <a:t>모든 스토리 및 육성을 끝낸 단계</a:t>
-                      </a:r>
-                      <a:endParaRPr lang="ko-KR" altLang="en-US" sz="1800" kern="1200" i="0" b="0">
-                        <a:solidFill>
-                          <a:schemeClr val="dk1"/>
-                        </a:solidFill>
-                        <a:latin typeface="맑은 고딕" charset="0"/>
-                        <a:ea typeface="맑은 고딕" charset="0"/>
-                      </a:endParaRPr>
-                    </a:p>
-                  </a:txBody>
-                  <a:tcPr marL="90170" marR="90170" marT="46990" marB="46990" anchor="t"/>
-                </a:tc>
-                <a:tc>
-                  <a:txBody>
-                    <a:bodyPr/>
-                    <a:lstStyle/>
-                    <a:p>
-                      <a:pPr marL="0" indent="0" hangingPunct="1"/>
+                        <a:t>은둔 고수 비무</a:t>
+                      </a:r>
                       <a:r>
                         <a:rPr lang="ko-KR" sz="1800" kern="1200" i="0" b="0">
                           <a:solidFill>
@@ -6990,7 +7145,27 @@
                           <a:latin typeface="맑은 고딕" charset="0"/>
                           <a:ea typeface="맑은 고딕" charset="0"/>
                         </a:rPr>
-                        <a:t>보스 레이드, 멀티 플레이, Pvp, 도장 깨기, 비무, 무도회, 업적</a:t>
+                        <a:t>, </a:t>
+                      </a:r>
+                      <a:r>
+                        <a:rPr lang="ko-KR" sz="1800" kern="1200" i="0" b="0">
+                          <a:solidFill>
+                            <a:schemeClr val="dk1"/>
+                          </a:solidFill>
+                          <a:latin typeface="맑은 고딕" charset="0"/>
+                          <a:ea typeface="맑은 고딕" charset="0"/>
+                        </a:rPr>
+                        <a:t>다인 무도회, 토너먼트 무도회, 차륜전 무도회</a:t>
+                      </a:r>
+                      <a:r>
+                        <a:rPr lang="ko-KR" sz="1800" kern="1200" i="0" b="0">
+                          <a:solidFill>
+                            <a:schemeClr val="dk1"/>
+                          </a:solidFill>
+                          <a:latin typeface="맑은 고딕" charset="0"/>
+                          <a:ea typeface="맑은 고딕" charset="0"/>
+                        </a:rPr>
+                        <a:t>, 업적</a:t>
                       </a:r>
                       <a:endParaRPr lang="ko-KR" altLang="en-US" sz="1800" kern="1200" i="0" b="0">
                         <a:solidFill>
